--- a/docs/Arquitetura_Firmwares.pptx
+++ b/docs/Arquitetura_Firmwares.pptx
@@ -290,7 +290,7 @@
             <a:fld id="{E32D7D35-8A7D-4C89-A2E8-E257B2F27E01}" type="datetimeFigureOut">
               <a:rPr lang="pt-BR" smtClean="0"/>
               <a:pPr/>
-              <a:t>28/6/2015</a:t>
+              <a:t>27/07/2015</a:t>
             </a:fld>
             <a:endParaRPr lang="pt-BR" dirty="0"/>
           </a:p>
@@ -457,7 +457,7 @@
             <a:fld id="{E32D7D35-8A7D-4C89-A2E8-E257B2F27E01}" type="datetimeFigureOut">
               <a:rPr lang="pt-BR" smtClean="0"/>
               <a:pPr/>
-              <a:t>28/6/2015</a:t>
+              <a:t>27/07/2015</a:t>
             </a:fld>
             <a:endParaRPr lang="pt-BR" dirty="0"/>
           </a:p>
@@ -634,7 +634,7 @@
             <a:fld id="{E32D7D35-8A7D-4C89-A2E8-E257B2F27E01}" type="datetimeFigureOut">
               <a:rPr lang="pt-BR" smtClean="0"/>
               <a:pPr/>
-              <a:t>28/6/2015</a:t>
+              <a:t>27/07/2015</a:t>
             </a:fld>
             <a:endParaRPr lang="pt-BR" dirty="0"/>
           </a:p>
@@ -801,7 +801,7 @@
             <a:fld id="{E32D7D35-8A7D-4C89-A2E8-E257B2F27E01}" type="datetimeFigureOut">
               <a:rPr lang="pt-BR" smtClean="0"/>
               <a:pPr/>
-              <a:t>28/6/2015</a:t>
+              <a:t>27/07/2015</a:t>
             </a:fld>
             <a:endParaRPr lang="pt-BR" dirty="0"/>
           </a:p>
@@ -1044,7 +1044,7 @@
             <a:fld id="{E32D7D35-8A7D-4C89-A2E8-E257B2F27E01}" type="datetimeFigureOut">
               <a:rPr lang="pt-BR" smtClean="0"/>
               <a:pPr/>
-              <a:t>28/6/2015</a:t>
+              <a:t>27/07/2015</a:t>
             </a:fld>
             <a:endParaRPr lang="pt-BR" dirty="0"/>
           </a:p>
@@ -1329,7 +1329,7 @@
             <a:fld id="{E32D7D35-8A7D-4C89-A2E8-E257B2F27E01}" type="datetimeFigureOut">
               <a:rPr lang="pt-BR" smtClean="0"/>
               <a:pPr/>
-              <a:t>28/6/2015</a:t>
+              <a:t>27/07/2015</a:t>
             </a:fld>
             <a:endParaRPr lang="pt-BR" dirty="0"/>
           </a:p>
@@ -1748,7 +1748,7 @@
             <a:fld id="{E32D7D35-8A7D-4C89-A2E8-E257B2F27E01}" type="datetimeFigureOut">
               <a:rPr lang="pt-BR" smtClean="0"/>
               <a:pPr/>
-              <a:t>28/6/2015</a:t>
+              <a:t>27/07/2015</a:t>
             </a:fld>
             <a:endParaRPr lang="pt-BR" dirty="0"/>
           </a:p>
@@ -1863,7 +1863,7 @@
             <a:fld id="{E32D7D35-8A7D-4C89-A2E8-E257B2F27E01}" type="datetimeFigureOut">
               <a:rPr lang="pt-BR" smtClean="0"/>
               <a:pPr/>
-              <a:t>28/6/2015</a:t>
+              <a:t>27/07/2015</a:t>
             </a:fld>
             <a:endParaRPr lang="pt-BR" dirty="0"/>
           </a:p>
@@ -1955,7 +1955,7 @@
             <a:fld id="{E32D7D35-8A7D-4C89-A2E8-E257B2F27E01}" type="datetimeFigureOut">
               <a:rPr lang="pt-BR" smtClean="0"/>
               <a:pPr/>
-              <a:t>28/6/2015</a:t>
+              <a:t>27/07/2015</a:t>
             </a:fld>
             <a:endParaRPr lang="pt-BR" dirty="0"/>
           </a:p>
@@ -2229,7 +2229,7 @@
             <a:fld id="{E32D7D35-8A7D-4C89-A2E8-E257B2F27E01}" type="datetimeFigureOut">
               <a:rPr lang="pt-BR" smtClean="0"/>
               <a:pPr/>
-              <a:t>28/6/2015</a:t>
+              <a:t>27/07/2015</a:t>
             </a:fld>
             <a:endParaRPr lang="pt-BR" dirty="0"/>
           </a:p>
@@ -2479,7 +2479,7 @@
             <a:fld id="{E32D7D35-8A7D-4C89-A2E8-E257B2F27E01}" type="datetimeFigureOut">
               <a:rPr lang="pt-BR" smtClean="0"/>
               <a:pPr/>
-              <a:t>28/6/2015</a:t>
+              <a:t>27/07/2015</a:t>
             </a:fld>
             <a:endParaRPr lang="pt-BR" dirty="0"/>
           </a:p>
@@ -2689,7 +2689,7 @@
             <a:fld id="{E32D7D35-8A7D-4C89-A2E8-E257B2F27E01}" type="datetimeFigureOut">
               <a:rPr lang="pt-BR" smtClean="0"/>
               <a:pPr/>
-              <a:t>28/6/2015</a:t>
+              <a:t>27/07/2015</a:t>
             </a:fld>
             <a:endParaRPr lang="pt-BR" dirty="0"/>
           </a:p>
@@ -3068,8 +3068,8 @@
         </p:nvSpPr>
         <p:spPr>
           <a:xfrm>
-            <a:off x="4000496" y="1428736"/>
-            <a:ext cx="4929222" cy="1071570"/>
+            <a:off x="4499992" y="980728"/>
+            <a:ext cx="3816424" cy="1071570"/>
           </a:xfrm>
           <a:prstGeom prst="rect">
             <a:avLst/>
@@ -3106,8 +3106,8 @@
         </p:nvSpPr>
         <p:spPr>
           <a:xfrm>
-            <a:off x="642910" y="5429264"/>
-            <a:ext cx="8215370" cy="1285884"/>
+            <a:off x="921649" y="4463332"/>
+            <a:ext cx="4073106" cy="2134020"/>
           </a:xfrm>
           <a:prstGeom prst="rect">
             <a:avLst/>
@@ -3144,25 +3144,25 @@
         </p:nvSpPr>
         <p:spPr>
           <a:xfrm>
-            <a:off x="642910" y="2643182"/>
-            <a:ext cx="8215370" cy="2643206"/>
+            <a:off x="921649" y="3167188"/>
+            <a:ext cx="4073106" cy="1224136"/>
           </a:xfrm>
           <a:prstGeom prst="rect">
             <a:avLst/>
           </a:prstGeom>
         </p:spPr>
         <p:style>
-          <a:lnRef idx="1">
-            <a:schemeClr val="accent3"/>
+          <a:lnRef idx="3">
+            <a:schemeClr val="lt1"/>
           </a:lnRef>
-          <a:fillRef idx="2">
+          <a:fillRef idx="1">
             <a:schemeClr val="accent3"/>
           </a:fillRef>
           <a:effectRef idx="1">
             <a:schemeClr val="accent3"/>
           </a:effectRef>
           <a:fontRef idx="minor">
-            <a:schemeClr val="dk1"/>
+            <a:schemeClr val="lt1"/>
           </a:fontRef>
         </p:style>
         <p:txBody>
@@ -3182,7 +3182,7 @@
         </p:nvSpPr>
         <p:spPr>
           <a:xfrm>
-            <a:off x="1928794" y="5643578"/>
+            <a:off x="2258451" y="5330278"/>
             <a:ext cx="642942" cy="357190"/>
           </a:xfrm>
           <a:prstGeom prst="roundRect">
@@ -3224,8 +3224,8 @@
         </p:nvSpPr>
         <p:spPr>
           <a:xfrm>
-            <a:off x="642910" y="928670"/>
-            <a:ext cx="3286148" cy="1571636"/>
+            <a:off x="890299" y="2315632"/>
+            <a:ext cx="7560840" cy="779548"/>
           </a:xfrm>
           <a:prstGeom prst="rect">
             <a:avLst/>
@@ -3262,7 +3262,7 @@
         </p:nvSpPr>
         <p:spPr>
           <a:xfrm>
-            <a:off x="2643174" y="5643578"/>
+            <a:off x="2978531" y="4826222"/>
             <a:ext cx="928694" cy="357190"/>
           </a:xfrm>
           <a:prstGeom prst="roundRect">
@@ -3304,7 +3304,7 @@
         </p:nvSpPr>
         <p:spPr>
           <a:xfrm>
-            <a:off x="785786" y="5643578"/>
+            <a:off x="1034315" y="4829072"/>
             <a:ext cx="1000132" cy="357190"/>
           </a:xfrm>
           <a:prstGeom prst="roundRect">
@@ -3348,14 +3348,14 @@
       </p:sp>
       <p:sp>
         <p:nvSpPr>
-          <p:cNvPr id="11" name="Retângulo de cantos arredondados 10"/>
+          <p:cNvPr id="13" name="Retângulo de cantos arredondados 12"/>
           <p:cNvSpPr/>
           <p:nvPr/>
         </p:nvSpPr>
         <p:spPr>
           <a:xfrm>
-            <a:off x="3714744" y="5643578"/>
-            <a:ext cx="1000132" cy="357190"/>
+            <a:off x="4058651" y="4826222"/>
+            <a:ext cx="714380" cy="357190"/>
           </a:xfrm>
           <a:prstGeom prst="roundRect">
             <a:avLst/>
@@ -3382,21 +3382,22 @@
             <a:pPr algn="ctr"/>
             <a:r>
               <a:rPr lang="pt-BR" dirty="0" smtClean="0"/>
-              <a:t>Eeprom</a:t>
-            </a:r>
-          </a:p>
-        </p:txBody>
-      </p:sp>
-      <p:sp>
-        <p:nvSpPr>
-          <p:cNvPr id="12" name="Retângulo de cantos arredondados 11"/>
+              <a:t>gpio</a:t>
+            </a:r>
+            <a:endParaRPr lang="pt-BR" dirty="0"/>
+          </a:p>
+        </p:txBody>
+      </p:sp>
+      <p:sp>
+        <p:nvSpPr>
+          <p:cNvPr id="14" name="Retângulo de cantos arredondados 13"/>
           <p:cNvSpPr/>
           <p:nvPr/>
         </p:nvSpPr>
         <p:spPr>
           <a:xfrm>
-            <a:off x="4857752" y="5643578"/>
-            <a:ext cx="1000132" cy="357190"/>
+            <a:off x="3050539" y="5330278"/>
+            <a:ext cx="500066" cy="357190"/>
           </a:xfrm>
           <a:prstGeom prst="roundRect">
             <a:avLst/>
@@ -3423,21 +3424,22 @@
             <a:pPr algn="ctr"/>
             <a:r>
               <a:rPr lang="pt-BR" dirty="0" smtClean="0"/>
-              <a:t>Flash</a:t>
-            </a:r>
-          </a:p>
-        </p:txBody>
-      </p:sp>
-      <p:sp>
-        <p:nvSpPr>
-          <p:cNvPr id="13" name="Retângulo de cantos arredondados 12"/>
+              <a:t>i2c</a:t>
+            </a:r>
+            <a:endParaRPr lang="pt-BR" dirty="0"/>
+          </a:p>
+        </p:txBody>
+      </p:sp>
+      <p:sp>
+        <p:nvSpPr>
+          <p:cNvPr id="16" name="Retângulo de cantos arredondados 15"/>
           <p:cNvSpPr/>
           <p:nvPr/>
         </p:nvSpPr>
         <p:spPr>
           <a:xfrm>
-            <a:off x="6000760" y="5643578"/>
-            <a:ext cx="714380" cy="357190"/>
+            <a:off x="1034315" y="5834334"/>
+            <a:ext cx="1071570" cy="357190"/>
           </a:xfrm>
           <a:prstGeom prst="roundRect">
             <a:avLst/>
@@ -3464,7 +3466,7 @@
             <a:pPr algn="ctr"/>
             <a:r>
               <a:rPr lang="pt-BR" dirty="0" smtClean="0"/>
-              <a:t>gpio</a:t>
+              <a:t>pwm</a:t>
             </a:r>
             <a:endParaRPr lang="pt-BR" dirty="0"/>
           </a:p>
@@ -3472,14 +3474,14 @@
       </p:sp>
       <p:sp>
         <p:nvSpPr>
-          <p:cNvPr id="14" name="Retângulo de cantos arredondados 13"/>
+          <p:cNvPr id="17" name="Retângulo de cantos arredondados 16"/>
           <p:cNvSpPr/>
           <p:nvPr/>
         </p:nvSpPr>
         <p:spPr>
           <a:xfrm>
-            <a:off x="6929454" y="5643578"/>
-            <a:ext cx="500066" cy="357190"/>
+            <a:off x="2258451" y="5834334"/>
+            <a:ext cx="1071570" cy="357190"/>
           </a:xfrm>
           <a:prstGeom prst="roundRect">
             <a:avLst/>
@@ -3506,7 +3508,7 @@
             <a:pPr algn="ctr"/>
             <a:r>
               <a:rPr lang="pt-BR" dirty="0" smtClean="0"/>
-              <a:t>i2c</a:t>
+              <a:t>reset</a:t>
             </a:r>
             <a:endParaRPr lang="pt-BR" dirty="0"/>
           </a:p>
@@ -3514,13 +3516,13 @@
       </p:sp>
       <p:sp>
         <p:nvSpPr>
-          <p:cNvPr id="15" name="Retângulo de cantos arredondados 14"/>
+          <p:cNvPr id="18" name="Retângulo de cantos arredondados 17"/>
           <p:cNvSpPr/>
           <p:nvPr/>
         </p:nvSpPr>
         <p:spPr>
           <a:xfrm>
-            <a:off x="785786" y="6215082"/>
+            <a:off x="3698611" y="5330278"/>
             <a:ext cx="1071570" cy="357190"/>
           </a:xfrm>
           <a:prstGeom prst="roundRect">
@@ -3548,22 +3550,21 @@
             <a:pPr algn="ctr"/>
             <a:r>
               <a:rPr lang="pt-BR" dirty="0" smtClean="0"/>
-              <a:t>interrupt</a:t>
-            </a:r>
-            <a:endParaRPr lang="pt-BR" dirty="0"/>
-          </a:p>
-        </p:txBody>
-      </p:sp>
-      <p:sp>
-        <p:nvSpPr>
-          <p:cNvPr id="16" name="Retângulo de cantos arredondados 15"/>
+              <a:t>spi</a:t>
+            </a:r>
+          </a:p>
+        </p:txBody>
+      </p:sp>
+      <p:sp>
+        <p:nvSpPr>
+          <p:cNvPr id="19" name="Retângulo de cantos arredondados 18"/>
           <p:cNvSpPr/>
           <p:nvPr/>
         </p:nvSpPr>
         <p:spPr>
           <a:xfrm>
-            <a:off x="1928794" y="6215082"/>
-            <a:ext cx="1071570" cy="357190"/>
+            <a:off x="1034315" y="5330278"/>
+            <a:ext cx="1080120" cy="357190"/>
           </a:xfrm>
           <a:prstGeom prst="roundRect">
             <a:avLst/>
@@ -3590,22 +3591,21 @@
             <a:pPr algn="ctr"/>
             <a:r>
               <a:rPr lang="pt-BR" dirty="0" smtClean="0"/>
-              <a:t>pwm</a:t>
-            </a:r>
-            <a:endParaRPr lang="pt-BR" dirty="0"/>
-          </a:p>
-        </p:txBody>
-      </p:sp>
-      <p:sp>
-        <p:nvSpPr>
-          <p:cNvPr id="17" name="Retângulo de cantos arredondados 16"/>
+              <a:t>timer</a:t>
+            </a:r>
+          </a:p>
+        </p:txBody>
+      </p:sp>
+      <p:sp>
+        <p:nvSpPr>
+          <p:cNvPr id="20" name="Retângulo de cantos arredondados 19"/>
           <p:cNvSpPr/>
           <p:nvPr/>
         </p:nvSpPr>
         <p:spPr>
           <a:xfrm>
-            <a:off x="3143240" y="6215082"/>
-            <a:ext cx="1071570" cy="357190"/>
+            <a:off x="2114435" y="4826222"/>
+            <a:ext cx="720080" cy="357190"/>
           </a:xfrm>
           <a:prstGeom prst="roundRect">
             <a:avLst/>
@@ -3632,21 +3632,20 @@
             <a:pPr algn="ctr"/>
             <a:r>
               <a:rPr lang="pt-BR" dirty="0" smtClean="0"/>
-              <a:t>reset</a:t>
-            </a:r>
-            <a:endParaRPr lang="pt-BR" dirty="0"/>
-          </a:p>
-        </p:txBody>
-      </p:sp>
-      <p:sp>
-        <p:nvSpPr>
-          <p:cNvPr id="18" name="Retângulo de cantos arredondados 17"/>
+              <a:t>uart</a:t>
+            </a:r>
+          </a:p>
+        </p:txBody>
+      </p:sp>
+      <p:sp>
+        <p:nvSpPr>
+          <p:cNvPr id="21" name="Retângulo de cantos arredondados 20"/>
           <p:cNvSpPr/>
           <p:nvPr/>
         </p:nvSpPr>
         <p:spPr>
           <a:xfrm>
-            <a:off x="4357686" y="6215082"/>
+            <a:off x="5940152" y="1124744"/>
             <a:ext cx="1071570" cy="357190"/>
           </a:xfrm>
           <a:prstGeom prst="roundRect">
@@ -3674,20 +3673,20 @@
             <a:pPr algn="ctr"/>
             <a:r>
               <a:rPr lang="pt-BR" dirty="0" smtClean="0"/>
-              <a:t>spi</a:t>
-            </a:r>
-          </a:p>
-        </p:txBody>
-      </p:sp>
-      <p:sp>
-        <p:nvSpPr>
-          <p:cNvPr id="19" name="Retângulo de cantos arredondados 18"/>
+              <a:t>vars</a:t>
+            </a:r>
+          </a:p>
+        </p:txBody>
+      </p:sp>
+      <p:sp>
+        <p:nvSpPr>
+          <p:cNvPr id="23" name="Retângulo de cantos arredondados 22"/>
           <p:cNvSpPr/>
           <p:nvPr/>
         </p:nvSpPr>
         <p:spPr>
           <a:xfrm>
-            <a:off x="5572132" y="6215082"/>
+            <a:off x="1186881" y="3383212"/>
             <a:ext cx="1071570" cy="357190"/>
           </a:xfrm>
           <a:prstGeom prst="roundRect">
@@ -3714,22 +3713,26 @@
           <a:p>
             <a:pPr algn="ctr"/>
             <a:r>
+              <a:rPr lang="pt-BR" dirty="0"/>
+              <a:t>b</a:t>
+            </a:r>
+            <a:r>
               <a:rPr lang="pt-BR" dirty="0" smtClean="0"/>
-              <a:t>timer</a:t>
-            </a:r>
-          </a:p>
-        </p:txBody>
-      </p:sp>
-      <p:sp>
-        <p:nvSpPr>
-          <p:cNvPr id="20" name="Retângulo de cantos arredondados 19"/>
+              <a:t>uttons</a:t>
+            </a:r>
+          </a:p>
+        </p:txBody>
+      </p:sp>
+      <p:sp>
+        <p:nvSpPr>
+          <p:cNvPr id="24" name="Retângulo de cantos arredondados 23"/>
           <p:cNvSpPr/>
           <p:nvPr/>
         </p:nvSpPr>
         <p:spPr>
           <a:xfrm>
-            <a:off x="6786578" y="6215082"/>
-            <a:ext cx="1071570" cy="357190"/>
+            <a:off x="7236296" y="1124744"/>
+            <a:ext cx="500066" cy="357190"/>
           </a:xfrm>
           <a:prstGeom prst="roundRect">
             <a:avLst/>
@@ -3756,62 +3759,21 @@
             <a:pPr algn="ctr"/>
             <a:r>
               <a:rPr lang="pt-BR" dirty="0" smtClean="0"/>
-              <a:t>uart</a:t>
-            </a:r>
-          </a:p>
-        </p:txBody>
-      </p:sp>
-      <p:sp>
-        <p:nvSpPr>
-          <p:cNvPr id="21" name="Retângulo de cantos arredondados 20"/>
+              <a:t>crc</a:t>
+            </a:r>
+          </a:p>
+        </p:txBody>
+      </p:sp>
+      <p:sp>
+        <p:nvSpPr>
+          <p:cNvPr id="26" name="Retângulo de cantos arredondados 25"/>
           <p:cNvSpPr/>
           <p:nvPr/>
         </p:nvSpPr>
         <p:spPr>
           <a:xfrm>
-            <a:off x="6000760" y="1571612"/>
-            <a:ext cx="1071570" cy="357190"/>
-          </a:xfrm>
-          <a:prstGeom prst="roundRect">
-            <a:avLst/>
-          </a:prstGeom>
-        </p:spPr>
-        <p:style>
-          <a:lnRef idx="1">
-            <a:schemeClr val="accent2"/>
-          </a:lnRef>
-          <a:fillRef idx="3">
-            <a:schemeClr val="accent2"/>
-          </a:fillRef>
-          <a:effectRef idx="2">
-            <a:schemeClr val="accent2"/>
-          </a:effectRef>
-          <a:fontRef idx="minor">
-            <a:schemeClr val="lt1"/>
-          </a:fontRef>
-        </p:style>
-        <p:txBody>
-          <a:bodyPr rtlCol="0" anchor="ctr"/>
-          <a:lstStyle/>
-          <a:p>
-            <a:pPr algn="ctr"/>
-            <a:r>
-              <a:rPr lang="pt-BR" dirty="0" smtClean="0"/>
-              <a:t>vars</a:t>
-            </a:r>
-          </a:p>
-        </p:txBody>
-      </p:sp>
-      <p:sp>
-        <p:nvSpPr>
-          <p:cNvPr id="22" name="Retângulo de cantos arredondados 21"/>
-          <p:cNvSpPr/>
-          <p:nvPr/>
-        </p:nvSpPr>
-        <p:spPr>
-          <a:xfrm>
-            <a:off x="785786" y="3786190"/>
-            <a:ext cx="1071570" cy="357190"/>
+            <a:off x="1106323" y="3887268"/>
+            <a:ext cx="1214446" cy="357190"/>
           </a:xfrm>
           <a:prstGeom prst="roundRect">
             <a:avLst/>
@@ -3838,21 +3800,21 @@
             <a:pPr algn="ctr"/>
             <a:r>
               <a:rPr lang="pt-BR" dirty="0" smtClean="0"/>
-              <a:t>AT24C32</a:t>
-            </a:r>
-          </a:p>
-        </p:txBody>
-      </p:sp>
-      <p:sp>
-        <p:nvSpPr>
-          <p:cNvPr id="23" name="Retângulo de cantos arredondados 22"/>
+              <a:t>FreeRTOS</a:t>
+            </a:r>
+          </a:p>
+        </p:txBody>
+      </p:sp>
+      <p:sp>
+        <p:nvSpPr>
+          <p:cNvPr id="28" name="Retângulo de cantos arredondados 27"/>
           <p:cNvSpPr/>
           <p:nvPr/>
         </p:nvSpPr>
         <p:spPr>
           <a:xfrm>
-            <a:off x="2000232" y="3786190"/>
-            <a:ext cx="1071570" cy="357190"/>
+            <a:off x="2474475" y="3887268"/>
+            <a:ext cx="1214446" cy="357190"/>
           </a:xfrm>
           <a:prstGeom prst="roundRect">
             <a:avLst/>
@@ -3879,66 +3841,25 @@
             <a:pPr algn="ctr"/>
             <a:r>
               <a:rPr lang="pt-BR" dirty="0"/>
-              <a:t>b</a:t>
+              <a:t>l</a:t>
             </a:r>
             <a:r>
               <a:rPr lang="pt-BR" dirty="0" smtClean="0"/>
-              <a:t>uttons</a:t>
-            </a:r>
-          </a:p>
-        </p:txBody>
-      </p:sp>
-      <p:sp>
-        <p:nvSpPr>
-          <p:cNvPr id="24" name="Retângulo de cantos arredondados 23"/>
+              <a:t>cd 16x2</a:t>
+            </a:r>
+          </a:p>
+        </p:txBody>
+      </p:sp>
+      <p:sp>
+        <p:nvSpPr>
+          <p:cNvPr id="29" name="Retângulo de cantos arredondados 28"/>
           <p:cNvSpPr/>
           <p:nvPr/>
         </p:nvSpPr>
         <p:spPr>
           <a:xfrm>
-            <a:off x="7143768" y="1571612"/>
-            <a:ext cx="500066" cy="357190"/>
-          </a:xfrm>
-          <a:prstGeom prst="roundRect">
-            <a:avLst/>
-          </a:prstGeom>
-        </p:spPr>
-        <p:style>
-          <a:lnRef idx="1">
-            <a:schemeClr val="accent2"/>
-          </a:lnRef>
-          <a:fillRef idx="3">
-            <a:schemeClr val="accent2"/>
-          </a:fillRef>
-          <a:effectRef idx="2">
-            <a:schemeClr val="accent2"/>
-          </a:effectRef>
-          <a:fontRef idx="minor">
-            <a:schemeClr val="lt1"/>
-          </a:fontRef>
-        </p:style>
-        <p:txBody>
-          <a:bodyPr rtlCol="0" anchor="ctr"/>
-          <a:lstStyle/>
-          <a:p>
-            <a:pPr algn="ctr"/>
-            <a:r>
-              <a:rPr lang="pt-BR" dirty="0" smtClean="0"/>
-              <a:t>crc</a:t>
-            </a:r>
-          </a:p>
-        </p:txBody>
-      </p:sp>
-      <p:sp>
-        <p:nvSpPr>
-          <p:cNvPr id="25" name="Retângulo de cantos arredondados 24"/>
-          <p:cNvSpPr/>
-          <p:nvPr/>
-        </p:nvSpPr>
-        <p:spPr>
-          <a:xfrm>
-            <a:off x="3143240" y="3786190"/>
-            <a:ext cx="1071570" cy="357190"/>
+            <a:off x="2480745" y="3383212"/>
+            <a:ext cx="785818" cy="357190"/>
           </a:xfrm>
           <a:prstGeom prst="roundRect">
             <a:avLst/>
@@ -3965,21 +3886,21 @@
             <a:pPr algn="ctr"/>
             <a:r>
               <a:rPr lang="pt-BR" dirty="0" smtClean="0"/>
-              <a:t>DS1307</a:t>
-            </a:r>
-          </a:p>
-        </p:txBody>
-      </p:sp>
-      <p:sp>
-        <p:nvSpPr>
-          <p:cNvPr id="26" name="Retângulo de cantos arredondados 25"/>
+              <a:t>leds</a:t>
+            </a:r>
+          </a:p>
+        </p:txBody>
+      </p:sp>
+      <p:sp>
+        <p:nvSpPr>
+          <p:cNvPr id="43" name="Retângulo de cantos arredondados 42"/>
           <p:cNvSpPr/>
           <p:nvPr/>
         </p:nvSpPr>
         <p:spPr>
           <a:xfrm>
-            <a:off x="4286248" y="3786190"/>
-            <a:ext cx="1214446" cy="357190"/>
+            <a:off x="4644008" y="1556792"/>
+            <a:ext cx="1285884" cy="357190"/>
           </a:xfrm>
           <a:prstGeom prst="roundRect">
             <a:avLst/>
@@ -4006,21 +3927,21 @@
             <a:pPr algn="ctr"/>
             <a:r>
               <a:rPr lang="pt-BR" dirty="0" smtClean="0"/>
-              <a:t>FreeRTOS</a:t>
-            </a:r>
-          </a:p>
-        </p:txBody>
-      </p:sp>
-      <p:sp>
-        <p:nvSpPr>
-          <p:cNvPr id="27" name="Retângulo de cantos arredondados 26"/>
+              <a:t>timesTamp</a:t>
+            </a:r>
+          </a:p>
+        </p:txBody>
+      </p:sp>
+      <p:sp>
+        <p:nvSpPr>
+          <p:cNvPr id="48" name="Retângulo de cantos arredondados 47"/>
           <p:cNvSpPr/>
           <p:nvPr/>
         </p:nvSpPr>
         <p:spPr>
           <a:xfrm>
-            <a:off x="5572132" y="3786190"/>
-            <a:ext cx="1214446" cy="357190"/>
+            <a:off x="1474343" y="2521966"/>
+            <a:ext cx="1071570" cy="357190"/>
           </a:xfrm>
           <a:prstGeom prst="roundRect">
             <a:avLst/>
@@ -4047,21 +3968,21 @@
             <a:pPr algn="ctr"/>
             <a:r>
               <a:rPr lang="pt-BR" dirty="0" smtClean="0"/>
-              <a:t>HCSR04</a:t>
-            </a:r>
-          </a:p>
-        </p:txBody>
-      </p:sp>
-      <p:sp>
-        <p:nvSpPr>
-          <p:cNvPr id="28" name="Retângulo de cantos arredondados 27"/>
+              <a:t>main</a:t>
+            </a:r>
+          </a:p>
+        </p:txBody>
+      </p:sp>
+      <p:sp>
+        <p:nvSpPr>
+          <p:cNvPr id="49" name="Retângulo de cantos arredondados 48"/>
           <p:cNvSpPr/>
           <p:nvPr/>
         </p:nvSpPr>
         <p:spPr>
           <a:xfrm>
-            <a:off x="785786" y="4286256"/>
-            <a:ext cx="1214446" cy="357190"/>
+            <a:off x="6578931" y="2521966"/>
+            <a:ext cx="1357322" cy="357190"/>
           </a:xfrm>
           <a:prstGeom prst="roundRect">
             <a:avLst/>
@@ -4087,674 +4008,6 @@
           <a:p>
             <a:pPr algn="ctr"/>
             <a:r>
-              <a:rPr lang="pt-BR" dirty="0"/>
-              <a:t>l</a:t>
-            </a:r>
-            <a:r>
-              <a:rPr lang="pt-BR" dirty="0" smtClean="0"/>
-              <a:t>cd 16x2</a:t>
-            </a:r>
-          </a:p>
-        </p:txBody>
-      </p:sp>
-      <p:sp>
-        <p:nvSpPr>
-          <p:cNvPr id="29" name="Retângulo de cantos arredondados 28"/>
-          <p:cNvSpPr/>
-          <p:nvPr/>
-        </p:nvSpPr>
-        <p:spPr>
-          <a:xfrm>
-            <a:off x="2143108" y="4286256"/>
-            <a:ext cx="785818" cy="357190"/>
-          </a:xfrm>
-          <a:prstGeom prst="roundRect">
-            <a:avLst/>
-          </a:prstGeom>
-        </p:spPr>
-        <p:style>
-          <a:lnRef idx="2">
-            <a:schemeClr val="dk1"/>
-          </a:lnRef>
-          <a:fillRef idx="1">
-            <a:schemeClr val="lt1"/>
-          </a:fillRef>
-          <a:effectRef idx="0">
-            <a:schemeClr val="dk1"/>
-          </a:effectRef>
-          <a:fontRef idx="minor">
-            <a:schemeClr val="dk1"/>
-          </a:fontRef>
-        </p:style>
-        <p:txBody>
-          <a:bodyPr rtlCol="0" anchor="ctr"/>
-          <a:lstStyle/>
-          <a:p>
-            <a:pPr algn="ctr"/>
-            <a:r>
-              <a:rPr lang="pt-BR" dirty="0" smtClean="0"/>
-              <a:t>leds</a:t>
-            </a:r>
-          </a:p>
-        </p:txBody>
-      </p:sp>
-      <p:sp>
-        <p:nvSpPr>
-          <p:cNvPr id="30" name="Retângulo de cantos arredondados 29"/>
-          <p:cNvSpPr/>
-          <p:nvPr/>
-        </p:nvSpPr>
-        <p:spPr>
-          <a:xfrm>
-            <a:off x="3071802" y="4286256"/>
-            <a:ext cx="857256" cy="357190"/>
-          </a:xfrm>
-          <a:prstGeom prst="roundRect">
-            <a:avLst/>
-          </a:prstGeom>
-        </p:spPr>
-        <p:style>
-          <a:lnRef idx="2">
-            <a:schemeClr val="dk1"/>
-          </a:lnRef>
-          <a:fillRef idx="1">
-            <a:schemeClr val="lt1"/>
-          </a:fillRef>
-          <a:effectRef idx="0">
-            <a:schemeClr val="dk1"/>
-          </a:effectRef>
-          <a:fontRef idx="minor">
-            <a:schemeClr val="dk1"/>
-          </a:fontRef>
-        </p:style>
-        <p:txBody>
-          <a:bodyPr rtlCol="0" anchor="ctr"/>
-          <a:lstStyle/>
-          <a:p>
-            <a:pPr algn="ctr"/>
-            <a:r>
-              <a:rPr lang="pt-BR" dirty="0" smtClean="0"/>
-              <a:t>LM35</a:t>
-            </a:r>
-          </a:p>
-        </p:txBody>
-      </p:sp>
-      <p:sp>
-        <p:nvSpPr>
-          <p:cNvPr id="31" name="Retângulo de cantos arredondados 30"/>
-          <p:cNvSpPr/>
-          <p:nvPr/>
-        </p:nvSpPr>
-        <p:spPr>
-          <a:xfrm>
-            <a:off x="4071934" y="4286256"/>
-            <a:ext cx="1214446" cy="357190"/>
-          </a:xfrm>
-          <a:prstGeom prst="roundRect">
-            <a:avLst/>
-          </a:prstGeom>
-        </p:spPr>
-        <p:style>
-          <a:lnRef idx="2">
-            <a:schemeClr val="dk1"/>
-          </a:lnRef>
-          <a:fillRef idx="1">
-            <a:schemeClr val="lt1"/>
-          </a:fillRef>
-          <a:effectRef idx="0">
-            <a:schemeClr val="dk1"/>
-          </a:effectRef>
-          <a:fontRef idx="minor">
-            <a:schemeClr val="dk1"/>
-          </a:fontRef>
-        </p:style>
-        <p:txBody>
-          <a:bodyPr rtlCol="0" anchor="ctr"/>
-          <a:lstStyle/>
-          <a:p>
-            <a:pPr algn="ctr"/>
-            <a:r>
-              <a:rPr lang="pt-BR" dirty="0" smtClean="0"/>
-              <a:t>mobus</a:t>
-            </a:r>
-          </a:p>
-        </p:txBody>
-      </p:sp>
-      <p:sp>
-        <p:nvSpPr>
-          <p:cNvPr id="32" name="Retângulo de cantos arredondados 31"/>
-          <p:cNvSpPr/>
-          <p:nvPr/>
-        </p:nvSpPr>
-        <p:spPr>
-          <a:xfrm>
-            <a:off x="5429256" y="4286256"/>
-            <a:ext cx="1357322" cy="357190"/>
-          </a:xfrm>
-          <a:prstGeom prst="roundRect">
-            <a:avLst/>
-          </a:prstGeom>
-        </p:spPr>
-        <p:style>
-          <a:lnRef idx="2">
-            <a:schemeClr val="dk1"/>
-          </a:lnRef>
-          <a:fillRef idx="1">
-            <a:schemeClr val="lt1"/>
-          </a:fillRef>
-          <a:effectRef idx="0">
-            <a:schemeClr val="dk1"/>
-          </a:effectRef>
-          <a:fontRef idx="minor">
-            <a:schemeClr val="dk1"/>
-          </a:fontRef>
-        </p:style>
-        <p:txBody>
-          <a:bodyPr rtlCol="0" anchor="ctr"/>
-          <a:lstStyle/>
-          <a:p>
-            <a:pPr algn="ctr"/>
-            <a:r>
-              <a:rPr lang="pt-BR" dirty="0" smtClean="0"/>
-              <a:t>Nokia GLCD</a:t>
-            </a:r>
-          </a:p>
-        </p:txBody>
-      </p:sp>
-      <p:sp>
-        <p:nvSpPr>
-          <p:cNvPr id="33" name="Retângulo de cantos arredondados 32"/>
-          <p:cNvSpPr/>
-          <p:nvPr/>
-        </p:nvSpPr>
-        <p:spPr>
-          <a:xfrm>
-            <a:off x="785786" y="4786322"/>
-            <a:ext cx="1143008" cy="357190"/>
-          </a:xfrm>
-          <a:prstGeom prst="roundRect">
-            <a:avLst/>
-          </a:prstGeom>
-        </p:spPr>
-        <p:style>
-          <a:lnRef idx="2">
-            <a:schemeClr val="dk1"/>
-          </a:lnRef>
-          <a:fillRef idx="1">
-            <a:schemeClr val="lt1"/>
-          </a:fillRef>
-          <a:effectRef idx="0">
-            <a:schemeClr val="dk1"/>
-          </a:effectRef>
-          <a:fontRef idx="minor">
-            <a:schemeClr val="dk1"/>
-          </a:fontRef>
-        </p:style>
-        <p:txBody>
-          <a:bodyPr rtlCol="0" anchor="ctr"/>
-          <a:lstStyle/>
-          <a:p>
-            <a:pPr algn="ctr"/>
-            <a:r>
-              <a:rPr lang="pt-BR" dirty="0" smtClean="0"/>
-              <a:t>NRF24l01</a:t>
-            </a:r>
-          </a:p>
-        </p:txBody>
-      </p:sp>
-      <p:sp>
-        <p:nvSpPr>
-          <p:cNvPr id="34" name="Retângulo de cantos arredondados 33"/>
-          <p:cNvSpPr/>
-          <p:nvPr/>
-        </p:nvSpPr>
-        <p:spPr>
-          <a:xfrm>
-            <a:off x="2071670" y="4786322"/>
-            <a:ext cx="1357322" cy="357190"/>
-          </a:xfrm>
-          <a:prstGeom prst="roundRect">
-            <a:avLst/>
-          </a:prstGeom>
-        </p:spPr>
-        <p:style>
-          <a:lnRef idx="2">
-            <a:schemeClr val="dk1"/>
-          </a:lnRef>
-          <a:fillRef idx="1">
-            <a:schemeClr val="lt1"/>
-          </a:fillRef>
-          <a:effectRef idx="0">
-            <a:schemeClr val="dk1"/>
-          </a:effectRef>
-          <a:fontRef idx="minor">
-            <a:schemeClr val="dk1"/>
-          </a:fontRef>
-        </p:style>
-        <p:txBody>
-          <a:bodyPr rtlCol="0" anchor="ctr"/>
-          <a:lstStyle/>
-          <a:p>
-            <a:pPr algn="ctr"/>
-            <a:r>
-              <a:rPr lang="pt-BR" dirty="0" smtClean="0"/>
-              <a:t>password</a:t>
-            </a:r>
-          </a:p>
-        </p:txBody>
-      </p:sp>
-      <p:sp>
-        <p:nvSpPr>
-          <p:cNvPr id="35" name="Retângulo de cantos arredondados 34"/>
-          <p:cNvSpPr/>
-          <p:nvPr/>
-        </p:nvSpPr>
-        <p:spPr>
-          <a:xfrm>
-            <a:off x="3571868" y="4786322"/>
-            <a:ext cx="571504" cy="357190"/>
-          </a:xfrm>
-          <a:prstGeom prst="roundRect">
-            <a:avLst/>
-          </a:prstGeom>
-        </p:spPr>
-        <p:style>
-          <a:lnRef idx="2">
-            <a:schemeClr val="dk1"/>
-          </a:lnRef>
-          <a:fillRef idx="1">
-            <a:schemeClr val="lt1"/>
-          </a:fillRef>
-          <a:effectRef idx="0">
-            <a:schemeClr val="dk1"/>
-          </a:effectRef>
-          <a:fontRef idx="minor">
-            <a:schemeClr val="dk1"/>
-          </a:fontRef>
-        </p:style>
-        <p:txBody>
-          <a:bodyPr rtlCol="0" anchor="ctr"/>
-          <a:lstStyle/>
-          <a:p>
-            <a:pPr algn="ctr"/>
-            <a:r>
-              <a:rPr lang="pt-BR" dirty="0"/>
-              <a:t>p</a:t>
-            </a:r>
-            <a:r>
-              <a:rPr lang="pt-BR" dirty="0" smtClean="0"/>
-              <a:t>ff</a:t>
-            </a:r>
-          </a:p>
-        </p:txBody>
-      </p:sp>
-      <p:sp>
-        <p:nvSpPr>
-          <p:cNvPr id="36" name="Retângulo de cantos arredondados 35"/>
-          <p:cNvSpPr/>
-          <p:nvPr/>
-        </p:nvSpPr>
-        <p:spPr>
-          <a:xfrm>
-            <a:off x="4357686" y="4786322"/>
-            <a:ext cx="571504" cy="357190"/>
-          </a:xfrm>
-          <a:prstGeom prst="roundRect">
-            <a:avLst/>
-          </a:prstGeom>
-        </p:spPr>
-        <p:style>
-          <a:lnRef idx="2">
-            <a:schemeClr val="dk1"/>
-          </a:lnRef>
-          <a:fillRef idx="1">
-            <a:schemeClr val="lt1"/>
-          </a:fillRef>
-          <a:effectRef idx="0">
-            <a:schemeClr val="dk1"/>
-          </a:effectRef>
-          <a:fontRef idx="minor">
-            <a:schemeClr val="dk1"/>
-          </a:fontRef>
-        </p:style>
-        <p:txBody>
-          <a:bodyPr rtlCol="0" anchor="ctr"/>
-          <a:lstStyle/>
-          <a:p>
-            <a:pPr algn="ctr"/>
-            <a:r>
-              <a:rPr lang="pt-BR" dirty="0" smtClean="0"/>
-              <a:t>PID</a:t>
-            </a:r>
-          </a:p>
-        </p:txBody>
-      </p:sp>
-      <p:sp>
-        <p:nvSpPr>
-          <p:cNvPr id="39" name="Retângulo de cantos arredondados 38"/>
-          <p:cNvSpPr/>
-          <p:nvPr/>
-        </p:nvSpPr>
-        <p:spPr>
-          <a:xfrm>
-            <a:off x="5072066" y="4786322"/>
-            <a:ext cx="1428760" cy="357190"/>
-          </a:xfrm>
-          <a:prstGeom prst="roundRect">
-            <a:avLst/>
-          </a:prstGeom>
-        </p:spPr>
-        <p:style>
-          <a:lnRef idx="2">
-            <a:schemeClr val="dk1"/>
-          </a:lnRef>
-          <a:fillRef idx="1">
-            <a:schemeClr val="lt1"/>
-          </a:fillRef>
-          <a:effectRef idx="0">
-            <a:schemeClr val="dk1"/>
-          </a:effectRef>
-          <a:fontRef idx="minor">
-            <a:schemeClr val="dk1"/>
-          </a:fontRef>
-        </p:style>
-        <p:txBody>
-          <a:bodyPr rtlCol="0" anchor="ctr"/>
-          <a:lstStyle/>
-          <a:p>
-            <a:pPr algn="ctr"/>
-            <a:r>
-              <a:rPr lang="pt-BR" dirty="0" smtClean="0"/>
-              <a:t>PS2Controle</a:t>
-            </a:r>
-          </a:p>
-        </p:txBody>
-      </p:sp>
-      <p:sp>
-        <p:nvSpPr>
-          <p:cNvPr id="40" name="Retângulo de cantos arredondados 39"/>
-          <p:cNvSpPr/>
-          <p:nvPr/>
-        </p:nvSpPr>
-        <p:spPr>
-          <a:xfrm>
-            <a:off x="6643702" y="4786322"/>
-            <a:ext cx="714380" cy="357190"/>
-          </a:xfrm>
-          <a:prstGeom prst="roundRect">
-            <a:avLst/>
-          </a:prstGeom>
-        </p:spPr>
-        <p:style>
-          <a:lnRef idx="2">
-            <a:schemeClr val="dk1"/>
-          </a:lnRef>
-          <a:fillRef idx="1">
-            <a:schemeClr val="lt1"/>
-          </a:fillRef>
-          <a:effectRef idx="0">
-            <a:schemeClr val="dk1"/>
-          </a:effectRef>
-          <a:fontRef idx="minor">
-            <a:schemeClr val="dk1"/>
-          </a:fontRef>
-        </p:style>
-        <p:txBody>
-          <a:bodyPr rtlCol="0" anchor="ctr"/>
-          <a:lstStyle/>
-          <a:p>
-            <a:pPr algn="ctr"/>
-            <a:r>
-              <a:rPr lang="pt-BR" dirty="0" smtClean="0"/>
-              <a:t>reles</a:t>
-            </a:r>
-          </a:p>
-        </p:txBody>
-      </p:sp>
-      <p:sp>
-        <p:nvSpPr>
-          <p:cNvPr id="41" name="Retângulo de cantos arredondados 40"/>
-          <p:cNvSpPr/>
-          <p:nvPr/>
-        </p:nvSpPr>
-        <p:spPr>
-          <a:xfrm>
-            <a:off x="7500958" y="4786322"/>
-            <a:ext cx="1214446" cy="357190"/>
-          </a:xfrm>
-          <a:prstGeom prst="roundRect">
-            <a:avLst/>
-          </a:prstGeom>
-        </p:spPr>
-        <p:style>
-          <a:lnRef idx="2">
-            <a:schemeClr val="dk1"/>
-          </a:lnRef>
-          <a:fillRef idx="1">
-            <a:schemeClr val="lt1"/>
-          </a:fillRef>
-          <a:effectRef idx="0">
-            <a:schemeClr val="dk1"/>
-          </a:effectRef>
-          <a:fontRef idx="minor">
-            <a:schemeClr val="dk1"/>
-          </a:fontRef>
-        </p:style>
-        <p:txBody>
-          <a:bodyPr rtlCol="0" anchor="ctr"/>
-          <a:lstStyle/>
-          <a:p>
-            <a:pPr algn="ctr"/>
-            <a:r>
-              <a:rPr lang="pt-BR" dirty="0" smtClean="0"/>
-              <a:t>RFIDCard</a:t>
-            </a:r>
-          </a:p>
-        </p:txBody>
-      </p:sp>
-      <p:sp>
-        <p:nvSpPr>
-          <p:cNvPr id="42" name="Retângulo de cantos arredondados 41"/>
-          <p:cNvSpPr/>
-          <p:nvPr/>
-        </p:nvSpPr>
-        <p:spPr>
-          <a:xfrm>
-            <a:off x="7000892" y="4286256"/>
-            <a:ext cx="1071570" cy="357190"/>
-          </a:xfrm>
-          <a:prstGeom prst="roundRect">
-            <a:avLst/>
-          </a:prstGeom>
-        </p:spPr>
-        <p:style>
-          <a:lnRef idx="2">
-            <a:schemeClr val="dk1"/>
-          </a:lnRef>
-          <a:fillRef idx="1">
-            <a:schemeClr val="lt1"/>
-          </a:fillRef>
-          <a:effectRef idx="0">
-            <a:schemeClr val="dk1"/>
-          </a:effectRef>
-          <a:fontRef idx="minor">
-            <a:schemeClr val="dk1"/>
-          </a:fontRef>
-        </p:style>
-        <p:txBody>
-          <a:bodyPr rtlCol="0" anchor="ctr"/>
-          <a:lstStyle/>
-          <a:p>
-            <a:pPr algn="ctr"/>
-            <a:r>
-              <a:rPr lang="pt-BR" dirty="0" smtClean="0"/>
-              <a:t>SD Card</a:t>
-            </a:r>
-          </a:p>
-        </p:txBody>
-      </p:sp>
-      <p:sp>
-        <p:nvSpPr>
-          <p:cNvPr id="43" name="Retângulo de cantos arredondados 42"/>
-          <p:cNvSpPr/>
-          <p:nvPr/>
-        </p:nvSpPr>
-        <p:spPr>
-          <a:xfrm>
-            <a:off x="5214942" y="2071678"/>
-            <a:ext cx="1285884" cy="357190"/>
-          </a:xfrm>
-          <a:prstGeom prst="roundRect">
-            <a:avLst/>
-          </a:prstGeom>
-        </p:spPr>
-        <p:style>
-          <a:lnRef idx="1">
-            <a:schemeClr val="accent2"/>
-          </a:lnRef>
-          <a:fillRef idx="3">
-            <a:schemeClr val="accent2"/>
-          </a:fillRef>
-          <a:effectRef idx="2">
-            <a:schemeClr val="accent2"/>
-          </a:effectRef>
-          <a:fontRef idx="minor">
-            <a:schemeClr val="lt1"/>
-          </a:fontRef>
-        </p:style>
-        <p:txBody>
-          <a:bodyPr rtlCol="0" anchor="ctr"/>
-          <a:lstStyle/>
-          <a:p>
-            <a:pPr algn="ctr"/>
-            <a:r>
-              <a:rPr lang="pt-BR" dirty="0" smtClean="0"/>
-              <a:t>timesTamp</a:t>
-            </a:r>
-          </a:p>
-        </p:txBody>
-      </p:sp>
-      <p:sp>
-        <p:nvSpPr>
-          <p:cNvPr id="45" name="Retângulo de cantos arredondados 44"/>
-          <p:cNvSpPr/>
-          <p:nvPr/>
-        </p:nvSpPr>
-        <p:spPr>
-          <a:xfrm>
-            <a:off x="6858016" y="3786190"/>
-            <a:ext cx="1071570" cy="357190"/>
-          </a:xfrm>
-          <a:prstGeom prst="roundRect">
-            <a:avLst/>
-          </a:prstGeom>
-        </p:spPr>
-        <p:style>
-          <a:lnRef idx="2">
-            <a:schemeClr val="dk1"/>
-          </a:lnRef>
-          <a:fillRef idx="1">
-            <a:schemeClr val="lt1"/>
-          </a:fillRef>
-          <a:effectRef idx="0">
-            <a:schemeClr val="dk1"/>
-          </a:effectRef>
-          <a:fontRef idx="minor">
-            <a:schemeClr val="dk1"/>
-          </a:fontRef>
-        </p:style>
-        <p:txBody>
-          <a:bodyPr rtlCol="0" anchor="ctr"/>
-          <a:lstStyle/>
-          <a:p>
-            <a:pPr algn="ctr"/>
-            <a:r>
-              <a:rPr lang="pt-BR" dirty="0"/>
-              <a:t>w</a:t>
-            </a:r>
-            <a:r>
-              <a:rPr lang="pt-BR" dirty="0" smtClean="0"/>
-              <a:t>ave file</a:t>
-            </a:r>
-          </a:p>
-        </p:txBody>
-      </p:sp>
-      <p:sp>
-        <p:nvSpPr>
-          <p:cNvPr id="48" name="Retângulo de cantos arredondados 47"/>
-          <p:cNvSpPr/>
-          <p:nvPr/>
-        </p:nvSpPr>
-        <p:spPr>
-          <a:xfrm>
-            <a:off x="785786" y="1142984"/>
-            <a:ext cx="1071570" cy="357190"/>
-          </a:xfrm>
-          <a:prstGeom prst="roundRect">
-            <a:avLst/>
-          </a:prstGeom>
-        </p:spPr>
-        <p:style>
-          <a:lnRef idx="2">
-            <a:schemeClr val="dk1"/>
-          </a:lnRef>
-          <a:fillRef idx="1">
-            <a:schemeClr val="lt1"/>
-          </a:fillRef>
-          <a:effectRef idx="0">
-            <a:schemeClr val="dk1"/>
-          </a:effectRef>
-          <a:fontRef idx="minor">
-            <a:schemeClr val="dk1"/>
-          </a:fontRef>
-        </p:style>
-        <p:txBody>
-          <a:bodyPr rtlCol="0" anchor="ctr"/>
-          <a:lstStyle/>
-          <a:p>
-            <a:pPr algn="ctr"/>
-            <a:r>
-              <a:rPr lang="pt-BR" dirty="0" smtClean="0"/>
-              <a:t>main</a:t>
-            </a:r>
-          </a:p>
-        </p:txBody>
-      </p:sp>
-      <p:sp>
-        <p:nvSpPr>
-          <p:cNvPr id="49" name="Retângulo de cantos arredondados 48"/>
-          <p:cNvSpPr/>
-          <p:nvPr/>
-        </p:nvSpPr>
-        <p:spPr>
-          <a:xfrm>
-            <a:off x="2071670" y="1142984"/>
-            <a:ext cx="1357322" cy="357190"/>
-          </a:xfrm>
-          <a:prstGeom prst="roundRect">
-            <a:avLst/>
-          </a:prstGeom>
-        </p:spPr>
-        <p:style>
-          <a:lnRef idx="2">
-            <a:schemeClr val="dk1"/>
-          </a:lnRef>
-          <a:fillRef idx="1">
-            <a:schemeClr val="lt1"/>
-          </a:fillRef>
-          <a:effectRef idx="0">
-            <a:schemeClr val="dk1"/>
-          </a:effectRef>
-          <a:fontRef idx="minor">
-            <a:schemeClr val="dk1"/>
-          </a:fontRef>
-        </p:style>
-        <p:txBody>
-          <a:bodyPr rtlCol="0" anchor="ctr"/>
-          <a:lstStyle/>
-          <a:p>
-            <a:pPr algn="ctr"/>
-            <a:r>
               <a:rPr lang="pt-BR" dirty="0" smtClean="0"/>
               <a:t>app_control</a:t>
             </a:r>
@@ -4769,7 +4022,7 @@
         </p:nvSpPr>
         <p:spPr>
           <a:xfrm>
-            <a:off x="4857752" y="1571612"/>
+            <a:off x="4716016" y="1124744"/>
             <a:ext cx="1071570" cy="357190"/>
           </a:xfrm>
           <a:prstGeom prst="roundRect">
@@ -4814,7 +4067,7 @@
         </p:nvSpPr>
         <p:spPr>
           <a:xfrm rot="16200000">
-            <a:off x="-212436" y="5855984"/>
+            <a:off x="94247" y="5394108"/>
             <a:ext cx="1222771" cy="369332"/>
           </a:xfrm>
           <a:prstGeom prst="rect">
@@ -4844,7 +4097,7 @@
         </p:nvSpPr>
         <p:spPr>
           <a:xfrm rot="16200000">
-            <a:off x="-256680" y="3971400"/>
+            <a:off x="50005" y="3623038"/>
             <a:ext cx="1311256" cy="369332"/>
           </a:xfrm>
           <a:prstGeom prst="rect">
@@ -4874,7 +4127,7 @@
         </p:nvSpPr>
         <p:spPr>
           <a:xfrm rot="16200000">
-            <a:off x="118262" y="1810508"/>
+            <a:off x="434240" y="2543128"/>
             <a:ext cx="561372" cy="369332"/>
           </a:xfrm>
           <a:prstGeom prst="rect">
@@ -4904,7 +4157,7 @@
         </p:nvSpPr>
         <p:spPr>
           <a:xfrm>
-            <a:off x="1344665" y="285728"/>
+            <a:off x="1344665" y="44624"/>
             <a:ext cx="6227731" cy="584775"/>
           </a:xfrm>
           <a:prstGeom prst="rect">
@@ -4920,11 +4173,7 @@
           <a:p>
             <a:r>
               <a:rPr lang="pt-BR" sz="3200" b="1" dirty="0" smtClean="0"/>
-              <a:t>Communication </a:t>
-            </a:r>
-            <a:r>
-              <a:rPr lang="pt-BR" sz="3200" b="1" dirty="0" smtClean="0"/>
-              <a:t>between the layers</a:t>
+              <a:t>Communication between the layers</a:t>
             </a:r>
             <a:endParaRPr lang="pt-BR" sz="3200" b="1" dirty="0"/>
           </a:p>
@@ -4938,7 +4187,7 @@
         </p:nvSpPr>
         <p:spPr>
           <a:xfrm>
-            <a:off x="785786" y="1643050"/>
+            <a:off x="5354795" y="2521966"/>
             <a:ext cx="1071570" cy="357190"/>
           </a:xfrm>
           <a:prstGeom prst="roundRect">
@@ -4979,7 +4228,7 @@
         </p:nvSpPr>
         <p:spPr>
           <a:xfrm>
-            <a:off x="2071670" y="1643050"/>
+            <a:off x="2626471" y="2521966"/>
             <a:ext cx="1285884" cy="357190"/>
           </a:xfrm>
           <a:prstGeom prst="roundRect">
@@ -4988,13 +4237,13 @@
         </p:spPr>
         <p:style>
           <a:lnRef idx="1">
-            <a:schemeClr val="accent2"/>
+            <a:schemeClr val="accent4"/>
           </a:lnRef>
           <a:fillRef idx="3">
-            <a:schemeClr val="accent2"/>
+            <a:schemeClr val="accent4"/>
           </a:fillRef>
           <a:effectRef idx="2">
-            <a:schemeClr val="accent2"/>
+            <a:schemeClr val="accent4"/>
           </a:effectRef>
           <a:fontRef idx="minor">
             <a:schemeClr val="lt1"/>
@@ -5007,48 +4256,7 @@
             <a:pPr algn="ctr"/>
             <a:r>
               <a:rPr lang="pt-BR" dirty="0" smtClean="0"/>
-              <a:t>sys_driver</a:t>
-            </a:r>
-          </a:p>
-        </p:txBody>
-      </p:sp>
-      <p:sp>
-        <p:nvSpPr>
-          <p:cNvPr id="58" name="Retângulo de cantos arredondados 57"/>
-          <p:cNvSpPr/>
-          <p:nvPr/>
-        </p:nvSpPr>
-        <p:spPr>
-          <a:xfrm>
-            <a:off x="2285984" y="3286124"/>
-            <a:ext cx="1357322" cy="357190"/>
-          </a:xfrm>
-          <a:prstGeom prst="roundRect">
-            <a:avLst/>
-          </a:prstGeom>
-        </p:spPr>
-        <p:style>
-          <a:lnRef idx="1">
-            <a:schemeClr val="accent6"/>
-          </a:lnRef>
-          <a:fillRef idx="2">
-            <a:schemeClr val="accent6"/>
-          </a:fillRef>
-          <a:effectRef idx="1">
-            <a:schemeClr val="accent6"/>
-          </a:effectRef>
-          <a:fontRef idx="minor">
-            <a:schemeClr val="dk1"/>
-          </a:fontRef>
-        </p:style>
-        <p:txBody>
-          <a:bodyPr rtlCol="0" anchor="ctr"/>
-          <a:lstStyle/>
-          <a:p>
-            <a:pPr algn="ctr"/>
-            <a:r>
-              <a:rPr lang="pt-BR" dirty="0" smtClean="0"/>
-              <a:t>sys_i2c</a:t>
+              <a:t>sys_hw</a:t>
             </a:r>
           </a:p>
         </p:txBody>
@@ -5061,8 +4269,8 @@
         </p:nvSpPr>
         <p:spPr>
           <a:xfrm>
-            <a:off x="2428860" y="2071678"/>
-            <a:ext cx="1000132" cy="357190"/>
+            <a:off x="4058651" y="2519116"/>
+            <a:ext cx="1144148" cy="357190"/>
           </a:xfrm>
           <a:prstGeom prst="roundRect">
             <a:avLst/>
@@ -5089,35 +4297,35 @@
             <a:pPr algn="ctr"/>
             <a:r>
               <a:rPr lang="pt-BR" dirty="0" smtClean="0"/>
-              <a:t>info_hw</a:t>
-            </a:r>
-          </a:p>
-        </p:txBody>
-      </p:sp>
-      <p:sp>
-        <p:nvSpPr>
-          <p:cNvPr id="60" name="Retângulo de cantos arredondados 59"/>
+              <a:t>app_info</a:t>
+            </a:r>
+          </a:p>
+        </p:txBody>
+      </p:sp>
+      <p:sp>
+        <p:nvSpPr>
+          <p:cNvPr id="69" name="Retângulo de cantos arredondados 68"/>
           <p:cNvSpPr/>
           <p:nvPr/>
         </p:nvSpPr>
         <p:spPr>
           <a:xfrm>
-            <a:off x="785786" y="3286124"/>
-            <a:ext cx="1357322" cy="357190"/>
+            <a:off x="6084168" y="1556792"/>
+            <a:ext cx="2143140" cy="357190"/>
           </a:xfrm>
           <a:prstGeom prst="roundRect">
             <a:avLst/>
           </a:prstGeom>
         </p:spPr>
         <p:style>
-          <a:lnRef idx="1">
-            <a:schemeClr val="accent6"/>
+          <a:lnRef idx="2">
+            <a:schemeClr val="dk1"/>
           </a:lnRef>
-          <a:fillRef idx="2">
-            <a:schemeClr val="accent6"/>
+          <a:fillRef idx="1">
+            <a:schemeClr val="lt1"/>
           </a:fillRef>
-          <a:effectRef idx="1">
-            <a:schemeClr val="accent6"/>
+          <a:effectRef idx="0">
+            <a:schemeClr val="dk1"/>
           </a:effectRef>
           <a:fontRef idx="minor">
             <a:schemeClr val="dk1"/>
@@ -5130,35 +4338,65 @@
             <a:pPr algn="ctr"/>
             <a:r>
               <a:rPr lang="pt-BR" dirty="0" smtClean="0"/>
-              <a:t>sys_pwm</a:t>
-            </a:r>
-          </a:p>
-        </p:txBody>
-      </p:sp>
-      <p:sp>
-        <p:nvSpPr>
-          <p:cNvPr id="61" name="Retângulo de cantos arredondados 60"/>
+              <a:t>mathematical filters</a:t>
+            </a:r>
+          </a:p>
+        </p:txBody>
+      </p:sp>
+      <p:sp>
+        <p:nvSpPr>
+          <p:cNvPr id="70" name="CaixaDeTexto 69"/>
+          <p:cNvSpPr txBox="1"/>
+          <p:nvPr/>
+        </p:nvSpPr>
+        <p:spPr>
+          <a:xfrm>
+            <a:off x="6084168" y="620688"/>
+            <a:ext cx="2254079" cy="369332"/>
+          </a:xfrm>
+          <a:prstGeom prst="rect">
+            <a:avLst/>
+          </a:prstGeom>
+          <a:noFill/>
+        </p:spPr>
+        <p:txBody>
+          <a:bodyPr wrap="none" rtlCol="0">
+            <a:spAutoFit/>
+          </a:bodyPr>
+          <a:lstStyle/>
+          <a:p>
+            <a:r>
+              <a:rPr lang="pt-BR" dirty="0" smtClean="0"/>
+              <a:t>Util: Independent Libs</a:t>
+            </a:r>
+            <a:endParaRPr lang="pt-BR" dirty="0"/>
+          </a:p>
+        </p:txBody>
+      </p:sp>
+      <p:sp>
+        <p:nvSpPr>
+          <p:cNvPr id="71" name="Retângulo de cantos arredondados 70"/>
           <p:cNvSpPr/>
           <p:nvPr/>
         </p:nvSpPr>
         <p:spPr>
           <a:xfrm>
-            <a:off x="2422020" y="2786058"/>
-            <a:ext cx="1357322" cy="357190"/>
+            <a:off x="3482587" y="5834334"/>
+            <a:ext cx="1071570" cy="357190"/>
           </a:xfrm>
           <a:prstGeom prst="roundRect">
             <a:avLst/>
           </a:prstGeom>
         </p:spPr>
         <p:style>
-          <a:lnRef idx="1">
-            <a:schemeClr val="accent6"/>
+          <a:lnRef idx="2">
+            <a:schemeClr val="dk1"/>
           </a:lnRef>
-          <a:fillRef idx="2">
-            <a:schemeClr val="accent6"/>
+          <a:fillRef idx="1">
+            <a:schemeClr val="lt1"/>
           </a:fillRef>
-          <a:effectRef idx="1">
-            <a:schemeClr val="accent6"/>
+          <a:effectRef idx="0">
+            <a:schemeClr val="dk1"/>
           </a:effectRef>
           <a:fontRef idx="minor">
             <a:schemeClr val="dk1"/>
@@ -5171,199 +4409,35 @@
             <a:pPr algn="ctr"/>
             <a:r>
               <a:rPr lang="pt-BR" dirty="0" smtClean="0"/>
-              <a:t>sys_spi</a:t>
-            </a:r>
-          </a:p>
-        </p:txBody>
-      </p:sp>
-      <p:sp>
-        <p:nvSpPr>
-          <p:cNvPr id="62" name="Retângulo de cantos arredondados 61"/>
+              <a:t>portable</a:t>
+            </a:r>
+          </a:p>
+        </p:txBody>
+      </p:sp>
+      <p:sp>
+        <p:nvSpPr>
+          <p:cNvPr id="73" name="Retângulo 72"/>
           <p:cNvSpPr/>
           <p:nvPr/>
         </p:nvSpPr>
         <p:spPr>
           <a:xfrm>
-            <a:off x="3922218" y="2786058"/>
-            <a:ext cx="1357322" cy="357190"/>
-          </a:xfrm>
-          <a:prstGeom prst="roundRect">
+            <a:off x="5210779" y="3167188"/>
+            <a:ext cx="3240360" cy="3384376"/>
+          </a:xfrm>
+          <a:prstGeom prst="rect">
             <a:avLst/>
           </a:prstGeom>
         </p:spPr>
         <p:style>
           <a:lnRef idx="1">
-            <a:schemeClr val="accent6"/>
-          </a:lnRef>
-          <a:fillRef idx="2">
-            <a:schemeClr val="accent6"/>
-          </a:fillRef>
-          <a:effectRef idx="1">
-            <a:schemeClr val="accent6"/>
-          </a:effectRef>
-          <a:fontRef idx="minor">
-            <a:schemeClr val="dk1"/>
-          </a:fontRef>
-        </p:style>
-        <p:txBody>
-          <a:bodyPr rtlCol="0" anchor="ctr"/>
-          <a:lstStyle/>
-          <a:p>
-            <a:pPr algn="ctr"/>
-            <a:r>
-              <a:rPr lang="pt-BR" dirty="0" smtClean="0"/>
-              <a:t>sys_timer</a:t>
-            </a:r>
-          </a:p>
-        </p:txBody>
-      </p:sp>
-      <p:sp>
-        <p:nvSpPr>
-          <p:cNvPr id="63" name="Retângulo de cantos arredondados 62"/>
-          <p:cNvSpPr/>
-          <p:nvPr/>
-        </p:nvSpPr>
-        <p:spPr>
-          <a:xfrm>
-            <a:off x="5350978" y="2786058"/>
-            <a:ext cx="1357322" cy="357190"/>
-          </a:xfrm>
-          <a:prstGeom prst="roundRect">
-            <a:avLst/>
-          </a:prstGeom>
-        </p:spPr>
-        <p:style>
-          <a:lnRef idx="1">
-            <a:schemeClr val="accent6"/>
-          </a:lnRef>
-          <a:fillRef idx="2">
-            <a:schemeClr val="accent6"/>
-          </a:fillRef>
-          <a:effectRef idx="1">
-            <a:schemeClr val="accent6"/>
-          </a:effectRef>
-          <a:fontRef idx="minor">
-            <a:schemeClr val="dk1"/>
-          </a:fontRef>
-        </p:style>
-        <p:txBody>
-          <a:bodyPr rtlCol="0" anchor="ctr"/>
-          <a:lstStyle/>
-          <a:p>
-            <a:pPr algn="ctr"/>
-            <a:r>
-              <a:rPr lang="pt-BR" dirty="0" smtClean="0"/>
-              <a:t>sys_uart</a:t>
-            </a:r>
-          </a:p>
-        </p:txBody>
-      </p:sp>
-      <p:sp>
-        <p:nvSpPr>
-          <p:cNvPr id="64" name="Retângulo de cantos arredondados 63"/>
-          <p:cNvSpPr/>
-          <p:nvPr/>
-        </p:nvSpPr>
-        <p:spPr>
-          <a:xfrm>
-            <a:off x="3707904" y="3286124"/>
-            <a:ext cx="1357322" cy="357190"/>
-          </a:xfrm>
-          <a:prstGeom prst="roundRect">
-            <a:avLst/>
-          </a:prstGeom>
-        </p:spPr>
-        <p:style>
-          <a:lnRef idx="1">
-            <a:schemeClr val="accent6"/>
-          </a:lnRef>
-          <a:fillRef idx="2">
-            <a:schemeClr val="accent6"/>
-          </a:fillRef>
-          <a:effectRef idx="1">
-            <a:schemeClr val="accent6"/>
-          </a:effectRef>
-          <a:fontRef idx="minor">
-            <a:schemeClr val="dk1"/>
-          </a:fontRef>
-        </p:style>
-        <p:txBody>
-          <a:bodyPr rtlCol="0" anchor="ctr"/>
-          <a:lstStyle/>
-          <a:p>
-            <a:pPr algn="ctr"/>
-            <a:r>
-              <a:rPr lang="pt-BR" dirty="0" smtClean="0"/>
-              <a:t>sys_spi</a:t>
-            </a:r>
-          </a:p>
-        </p:txBody>
-      </p:sp>
-      <p:sp>
-        <p:nvSpPr>
-          <p:cNvPr id="65" name="Retângulo de cantos arredondados 64"/>
-          <p:cNvSpPr/>
-          <p:nvPr/>
-        </p:nvSpPr>
-        <p:spPr>
-          <a:xfrm>
-            <a:off x="6779738" y="2786058"/>
-            <a:ext cx="1357322" cy="357190"/>
-          </a:xfrm>
-          <a:prstGeom prst="roundRect">
-            <a:avLst/>
-          </a:prstGeom>
-        </p:spPr>
-        <p:style>
-          <a:lnRef idx="1">
-            <a:schemeClr val="accent6"/>
-          </a:lnRef>
-          <a:fillRef idx="2">
-            <a:schemeClr val="accent6"/>
-          </a:fillRef>
-          <a:effectRef idx="1">
-            <a:schemeClr val="accent6"/>
-          </a:effectRef>
-          <a:fontRef idx="minor">
-            <a:schemeClr val="dk1"/>
-          </a:fontRef>
-        </p:style>
-        <p:txBody>
-          <a:bodyPr rtlCol="0" anchor="ctr"/>
-          <a:lstStyle/>
-          <a:p>
-            <a:pPr algn="ctr"/>
-            <a:r>
-              <a:rPr lang="pt-BR" dirty="0" smtClean="0"/>
-              <a:t>sys_ad</a:t>
-            </a:r>
-          </a:p>
-        </p:txBody>
-      </p:sp>
-      <p:sp>
-        <p:nvSpPr>
-          <p:cNvPr id="66" name="Retângulo de cantos arredondados 65"/>
-          <p:cNvSpPr/>
-          <p:nvPr/>
-        </p:nvSpPr>
-        <p:spPr>
-          <a:xfrm>
-            <a:off x="785786" y="2786058"/>
-            <a:ext cx="1643074" cy="357190"/>
-          </a:xfrm>
-          <a:prstGeom prst="roundRect">
-            <a:avLst/>
-          </a:prstGeom>
-        </p:spPr>
-        <p:style>
-          <a:lnRef idx="1">
-            <a:schemeClr val="accent2"/>
+            <a:schemeClr val="accent4"/>
           </a:lnRef>
           <a:fillRef idx="3">
-            <a:schemeClr val="accent2"/>
+            <a:schemeClr val="accent4"/>
           </a:fillRef>
           <a:effectRef idx="2">
-            <a:schemeClr val="accent2"/>
+            <a:schemeClr val="accent4"/>
           </a:effectRef>
           <a:fontRef idx="minor">
             <a:schemeClr val="lt1"/>
@@ -5374,23 +4448,20 @@
           <a:lstStyle/>
           <a:p>
             <a:pPr algn="ctr"/>
-            <a:r>
-              <a:rPr lang="pt-BR" dirty="0" smtClean="0"/>
-              <a:t>init_hardware</a:t>
-            </a:r>
-          </a:p>
-        </p:txBody>
-      </p:sp>
-      <p:sp>
-        <p:nvSpPr>
-          <p:cNvPr id="68" name="Retângulo de cantos arredondados 67"/>
+            <a:endParaRPr lang="pt-BR" dirty="0"/>
+          </a:p>
+        </p:txBody>
+      </p:sp>
+      <p:sp>
+        <p:nvSpPr>
+          <p:cNvPr id="74" name="Retângulo de cantos arredondados 73"/>
           <p:cNvSpPr/>
           <p:nvPr/>
         </p:nvSpPr>
         <p:spPr>
           <a:xfrm>
-            <a:off x="7715272" y="1571612"/>
-            <a:ext cx="1071570" cy="357190"/>
+            <a:off x="6854993" y="4318176"/>
+            <a:ext cx="1380122" cy="357190"/>
           </a:xfrm>
           <a:prstGeom prst="roundRect">
             <a:avLst/>
@@ -5417,21 +4488,21 @@
             <a:pPr algn="ctr"/>
             <a:r>
               <a:rPr lang="pt-BR" dirty="0" smtClean="0"/>
-              <a:t>printf</a:t>
-            </a:r>
-          </a:p>
-        </p:txBody>
-      </p:sp>
-      <p:sp>
-        <p:nvSpPr>
-          <p:cNvPr id="69" name="Retângulo de cantos arredondados 68"/>
+              <a:t>sys_i2c</a:t>
+            </a:r>
+          </a:p>
+        </p:txBody>
+      </p:sp>
+      <p:sp>
+        <p:nvSpPr>
+          <p:cNvPr id="75" name="Retângulo de cantos arredondados 74"/>
           <p:cNvSpPr/>
           <p:nvPr/>
         </p:nvSpPr>
         <p:spPr>
           <a:xfrm>
-            <a:off x="6643702" y="2071678"/>
-            <a:ext cx="2143140" cy="357190"/>
+            <a:off x="5354795" y="4318176"/>
+            <a:ext cx="1296144" cy="357190"/>
           </a:xfrm>
           <a:prstGeom prst="roundRect">
             <a:avLst/>
@@ -5458,21 +4529,21 @@
             <a:pPr algn="ctr"/>
             <a:r>
               <a:rPr lang="pt-BR" dirty="0" smtClean="0"/>
-              <a:t>mathematical filters</a:t>
-            </a:r>
-          </a:p>
-        </p:txBody>
-      </p:sp>
-      <p:sp>
-        <p:nvSpPr>
-          <p:cNvPr id="67" name="Retângulo de cantos arredondados 66"/>
+              <a:t>sys_pwm</a:t>
+            </a:r>
+          </a:p>
+        </p:txBody>
+      </p:sp>
+      <p:sp>
+        <p:nvSpPr>
+          <p:cNvPr id="76" name="Retângulo de cantos arredondados 75"/>
           <p:cNvSpPr/>
           <p:nvPr/>
         </p:nvSpPr>
         <p:spPr>
           <a:xfrm>
-            <a:off x="785786" y="2071678"/>
-            <a:ext cx="1500198" cy="357190"/>
+            <a:off x="6866963" y="3818110"/>
+            <a:ext cx="1357322" cy="357190"/>
           </a:xfrm>
           <a:prstGeom prst="roundRect">
             <a:avLst/>
@@ -5499,21 +4570,185 @@
             <a:pPr algn="ctr"/>
             <a:r>
               <a:rPr lang="pt-BR" dirty="0" smtClean="0"/>
-              <a:t>app_memory</a:t>
-            </a:r>
-          </a:p>
-        </p:txBody>
-      </p:sp>
-      <p:sp>
-        <p:nvSpPr>
-          <p:cNvPr id="70" name="CaixaDeTexto 69"/>
+              <a:t>sys_spi</a:t>
+            </a:r>
+          </a:p>
+        </p:txBody>
+      </p:sp>
+      <p:sp>
+        <p:nvSpPr>
+          <p:cNvPr id="77" name="Retângulo de cantos arredondados 76"/>
+          <p:cNvSpPr/>
+          <p:nvPr/>
+        </p:nvSpPr>
+        <p:spPr>
+          <a:xfrm>
+            <a:off x="5354795" y="4826222"/>
+            <a:ext cx="1224136" cy="357190"/>
+          </a:xfrm>
+          <a:prstGeom prst="roundRect">
+            <a:avLst/>
+          </a:prstGeom>
+        </p:spPr>
+        <p:style>
+          <a:lnRef idx="1">
+            <a:schemeClr val="dk1"/>
+          </a:lnRef>
+          <a:fillRef idx="2">
+            <a:schemeClr val="dk1"/>
+          </a:fillRef>
+          <a:effectRef idx="1">
+            <a:schemeClr val="dk1"/>
+          </a:effectRef>
+          <a:fontRef idx="minor">
+            <a:schemeClr val="dk1"/>
+          </a:fontRef>
+        </p:style>
+        <p:txBody>
+          <a:bodyPr rtlCol="0" anchor="ctr"/>
+          <a:lstStyle/>
+          <a:p>
+            <a:pPr algn="ctr"/>
+            <a:r>
+              <a:rPr lang="pt-BR" dirty="0" smtClean="0"/>
+              <a:t>sys_timer</a:t>
+            </a:r>
+          </a:p>
+        </p:txBody>
+      </p:sp>
+      <p:sp>
+        <p:nvSpPr>
+          <p:cNvPr id="78" name="Retângulo de cantos arredondados 77"/>
+          <p:cNvSpPr/>
+          <p:nvPr/>
+        </p:nvSpPr>
+        <p:spPr>
+          <a:xfrm>
+            <a:off x="6866963" y="4826222"/>
+            <a:ext cx="1357322" cy="357190"/>
+          </a:xfrm>
+          <a:prstGeom prst="roundRect">
+            <a:avLst/>
+          </a:prstGeom>
+        </p:spPr>
+        <p:style>
+          <a:lnRef idx="1">
+            <a:schemeClr val="dk1"/>
+          </a:lnRef>
+          <a:fillRef idx="2">
+            <a:schemeClr val="dk1"/>
+          </a:fillRef>
+          <a:effectRef idx="1">
+            <a:schemeClr val="dk1"/>
+          </a:effectRef>
+          <a:fontRef idx="minor">
+            <a:schemeClr val="dk1"/>
+          </a:fontRef>
+        </p:style>
+        <p:txBody>
+          <a:bodyPr rtlCol="0" anchor="ctr"/>
+          <a:lstStyle/>
+          <a:p>
+            <a:pPr algn="ctr"/>
+            <a:r>
+              <a:rPr lang="pt-BR" dirty="0" smtClean="0"/>
+              <a:t>sys_uart</a:t>
+            </a:r>
+          </a:p>
+        </p:txBody>
+      </p:sp>
+      <p:sp>
+        <p:nvSpPr>
+          <p:cNvPr id="79" name="Retângulo de cantos arredondados 78"/>
+          <p:cNvSpPr/>
+          <p:nvPr/>
+        </p:nvSpPr>
+        <p:spPr>
+          <a:xfrm>
+            <a:off x="6866963" y="5330278"/>
+            <a:ext cx="1357322" cy="357190"/>
+          </a:xfrm>
+          <a:prstGeom prst="roundRect">
+            <a:avLst/>
+          </a:prstGeom>
+        </p:spPr>
+        <p:style>
+          <a:lnRef idx="1">
+            <a:schemeClr val="dk1"/>
+          </a:lnRef>
+          <a:fillRef idx="2">
+            <a:schemeClr val="dk1"/>
+          </a:fillRef>
+          <a:effectRef idx="1">
+            <a:schemeClr val="dk1"/>
+          </a:effectRef>
+          <a:fontRef idx="minor">
+            <a:schemeClr val="dk1"/>
+          </a:fontRef>
+        </p:style>
+        <p:txBody>
+          <a:bodyPr rtlCol="0" anchor="ctr"/>
+          <a:lstStyle/>
+          <a:p>
+            <a:pPr algn="ctr"/>
+            <a:r>
+              <a:rPr lang="pt-BR" dirty="0" smtClean="0"/>
+              <a:t>sys_spi</a:t>
+            </a:r>
+          </a:p>
+        </p:txBody>
+      </p:sp>
+      <p:sp>
+        <p:nvSpPr>
+          <p:cNvPr id="80" name="Retângulo de cantos arredondados 79"/>
+          <p:cNvSpPr/>
+          <p:nvPr/>
+        </p:nvSpPr>
+        <p:spPr>
+          <a:xfrm>
+            <a:off x="5354795" y="5330278"/>
+            <a:ext cx="1224136" cy="357190"/>
+          </a:xfrm>
+          <a:prstGeom prst="roundRect">
+            <a:avLst/>
+          </a:prstGeom>
+        </p:spPr>
+        <p:style>
+          <a:lnRef idx="1">
+            <a:schemeClr val="dk1"/>
+          </a:lnRef>
+          <a:fillRef idx="2">
+            <a:schemeClr val="dk1"/>
+          </a:fillRef>
+          <a:effectRef idx="1">
+            <a:schemeClr val="dk1"/>
+          </a:effectRef>
+          <a:fontRef idx="minor">
+            <a:schemeClr val="dk1"/>
+          </a:fontRef>
+        </p:style>
+        <p:txBody>
+          <a:bodyPr rtlCol="0" anchor="ctr"/>
+          <a:lstStyle/>
+          <a:p>
+            <a:pPr algn="ctr"/>
+            <a:r>
+              <a:rPr lang="pt-BR" dirty="0" smtClean="0"/>
+              <a:t>sys_ad</a:t>
+            </a:r>
+          </a:p>
+        </p:txBody>
+      </p:sp>
+      <p:sp>
+        <p:nvSpPr>
+          <p:cNvPr id="82" name="CaixaDeTexto 81"/>
           <p:cNvSpPr txBox="1"/>
           <p:nvPr/>
         </p:nvSpPr>
         <p:spPr>
-          <a:xfrm>
-            <a:off x="3995936" y="1052736"/>
-            <a:ext cx="2165465" cy="369332"/>
+          <a:xfrm rot="16200000">
+            <a:off x="7902624" y="4651808"/>
+            <a:ext cx="1466363" cy="369332"/>
           </a:xfrm>
           <a:prstGeom prst="rect">
             <a:avLst/>
@@ -5527,24 +4762,8 @@
           <a:lstStyle/>
           <a:p>
             <a:r>
-              <a:rPr lang="pt-BR" dirty="0" err="1" smtClean="0"/>
-              <a:t>Util</a:t>
-            </a:r>
-            <a:r>
               <a:rPr lang="pt-BR" dirty="0" smtClean="0"/>
-              <a:t>: </a:t>
-            </a:r>
-            <a:r>
-              <a:rPr lang="pt-BR" dirty="0" err="1" smtClean="0"/>
-              <a:t>Independent</a:t>
-            </a:r>
-            <a:r>
-              <a:rPr lang="pt-BR" dirty="0" smtClean="0"/>
-              <a:t> </a:t>
-            </a:r>
-            <a:r>
-              <a:rPr lang="pt-BR" dirty="0" err="1" smtClean="0"/>
-              <a:t>Lib</a:t>
+              <a:t>Init Hardware</a:t>
             </a:r>
             <a:endParaRPr lang="pt-BR" dirty="0"/>
           </a:p>
@@ -5552,14 +4771,55 @@
       </p:sp>
       <p:sp>
         <p:nvSpPr>
-          <p:cNvPr id="71" name="Retângulo de cantos arredondados 70"/>
+          <p:cNvPr id="83" name="Retângulo de cantos arredondados 82"/>
           <p:cNvSpPr/>
           <p:nvPr/>
         </p:nvSpPr>
         <p:spPr>
           <a:xfrm>
-            <a:off x="7715272" y="5643578"/>
-            <a:ext cx="1071570" cy="357190"/>
+            <a:off x="5354795" y="3818110"/>
+            <a:ext cx="1224136" cy="357190"/>
+          </a:xfrm>
+          <a:prstGeom prst="roundRect">
+            <a:avLst/>
+          </a:prstGeom>
+        </p:spPr>
+        <p:style>
+          <a:lnRef idx="1">
+            <a:schemeClr val="dk1"/>
+          </a:lnRef>
+          <a:fillRef idx="2">
+            <a:schemeClr val="dk1"/>
+          </a:fillRef>
+          <a:effectRef idx="1">
+            <a:schemeClr val="dk1"/>
+          </a:effectRef>
+          <a:fontRef idx="minor">
+            <a:schemeClr val="dk1"/>
+          </a:fontRef>
+        </p:style>
+        <p:txBody>
+          <a:bodyPr rtlCol="0" anchor="ctr"/>
+          <a:lstStyle/>
+          <a:p>
+            <a:pPr algn="ctr"/>
+            <a:r>
+              <a:rPr lang="pt-BR" dirty="0" smtClean="0"/>
+              <a:t>sys_gpio</a:t>
+            </a:r>
+          </a:p>
+        </p:txBody>
+      </p:sp>
+      <p:sp>
+        <p:nvSpPr>
+          <p:cNvPr id="85" name="Retângulo de cantos arredondados 84"/>
+          <p:cNvSpPr/>
+          <p:nvPr/>
+        </p:nvSpPr>
+        <p:spPr>
+          <a:xfrm>
+            <a:off x="3410579" y="3383212"/>
+            <a:ext cx="785818" cy="357190"/>
           </a:xfrm>
           <a:prstGeom prst="roundRect">
             <a:avLst/>
@@ -5585,10 +4845,9 @@
           <a:p>
             <a:pPr algn="ctr"/>
             <a:r>
-              <a:rPr lang="pt-BR" dirty="0" err="1" smtClean="0"/>
-              <a:t>portable</a:t>
-            </a:r>
-            <a:endParaRPr lang="pt-BR" dirty="0" smtClean="0"/>
+              <a:rPr lang="pt-BR" dirty="0" smtClean="0"/>
+              <a:t>serial</a:t>
+            </a:r>
           </a:p>
         </p:txBody>
       </p:sp>
@@ -5627,7 +4886,12 @@
             <p:ph type="title"/>
           </p:nvPr>
         </p:nvSpPr>
-        <p:spPr/>
+        <p:spPr>
+          <a:xfrm>
+            <a:off x="395536" y="53752"/>
+            <a:ext cx="8229600" cy="1143000"/>
+          </a:xfrm>
+        </p:spPr>
         <p:txBody>
           <a:bodyPr/>
           <a:lstStyle/>
@@ -5650,10 +4914,15 @@
             <p:ph idx="1"/>
           </p:nvPr>
         </p:nvSpPr>
-        <p:spPr/>
-        <p:txBody>
-          <a:bodyPr>
-            <a:normAutofit fontScale="40000" lnSpcReduction="20000"/>
+        <p:spPr>
+          <a:xfrm>
+            <a:off x="467544" y="1196752"/>
+            <a:ext cx="8424936" cy="5184576"/>
+          </a:xfrm>
+        </p:spPr>
+        <p:txBody>
+          <a:bodyPr anchor="ctr">
+            <a:normAutofit fontScale="25000" lnSpcReduction="20000"/>
           </a:bodyPr>
           <a:lstStyle/>
           <a:p>
@@ -5661,171 +4930,192 @@
               <a:buNone/>
             </a:pPr>
             <a:r>
-              <a:rPr lang="pt-BR" dirty="0" smtClean="0"/>
+              <a:rPr lang="pt-BR" sz="5600" dirty="0" smtClean="0"/>
               <a:t>Camada da Aplicação:</a:t>
             </a:r>
           </a:p>
           <a:p>
             <a:r>
-              <a:rPr lang="pt-BR" dirty="0" smtClean="0"/>
-              <a:t>Evitar </a:t>
-            </a:r>
-            <a:r>
-              <a:rPr lang="pt-BR" dirty="0" smtClean="0"/>
-              <a:t>chamadas horizontais na camada de aplicação </a:t>
-            </a:r>
-          </a:p>
-          <a:p>
-            <a:r>
-              <a:rPr lang="pt-BR" dirty="0" smtClean="0"/>
-              <a:t>Somente </a:t>
-            </a:r>
-            <a:r>
-              <a:rPr lang="pt-BR" dirty="0" smtClean="0"/>
-              <a:t>chamar funções de funcionalidade da camada de </a:t>
-            </a:r>
-            <a:r>
-              <a:rPr lang="pt-BR" dirty="0" err="1" smtClean="0"/>
+              <a:rPr lang="pt-BR" sz="5600" dirty="0" smtClean="0"/>
+              <a:t>Evitar chamadas horizontais na camada de aplicação </a:t>
+            </a:r>
+          </a:p>
+          <a:p>
+            <a:r>
+              <a:rPr lang="pt-BR" sz="5600" dirty="0" smtClean="0"/>
+              <a:t>Somente chamar funções de funcionalidade da camada de </a:t>
+            </a:r>
+            <a:r>
+              <a:rPr lang="pt-BR" sz="5600" dirty="0" err="1" smtClean="0"/>
               <a:t>Middleware</a:t>
             </a:r>
             <a:r>
-              <a:rPr lang="pt-BR" dirty="0" smtClean="0"/>
+              <a:rPr lang="pt-BR" sz="5600" dirty="0" smtClean="0"/>
               <a:t>.</a:t>
             </a:r>
           </a:p>
           <a:p>
-            <a:endParaRPr lang="pt-BR" dirty="0" smtClean="0"/>
+            <a:endParaRPr lang="pt-BR" sz="5600" dirty="0" smtClean="0"/>
           </a:p>
           <a:p>
             <a:pPr>
               <a:buNone/>
             </a:pPr>
             <a:r>
-              <a:rPr lang="pt-BR" dirty="0" smtClean="0"/>
+              <a:rPr lang="pt-BR" sz="5600" dirty="0" smtClean="0"/>
               <a:t>Camada de </a:t>
             </a:r>
             <a:r>
-              <a:rPr lang="pt-BR" dirty="0" err="1" smtClean="0"/>
+              <a:rPr lang="pt-BR" sz="5600" dirty="0" err="1" smtClean="0"/>
               <a:t>Middleware</a:t>
             </a:r>
             <a:r>
-              <a:rPr lang="pt-BR" dirty="0" smtClean="0"/>
+              <a:rPr lang="pt-BR" sz="5600" dirty="0" smtClean="0"/>
               <a:t>:</a:t>
             </a:r>
           </a:p>
           <a:p>
             <a:r>
-              <a:rPr lang="pt-BR" dirty="0" smtClean="0"/>
-              <a:t>Não </a:t>
-            </a:r>
-            <a:r>
-              <a:rPr lang="pt-BR" dirty="0" smtClean="0"/>
-              <a:t>pode haver, de maneira alguma, chamadas horizontais;</a:t>
-            </a:r>
-          </a:p>
-          <a:p>
-            <a:r>
-              <a:rPr lang="pt-BR" dirty="0" smtClean="0"/>
+              <a:rPr lang="pt-BR" sz="5600" dirty="0" smtClean="0"/>
+              <a:t>Não pode haver, de maneira alguma, chamadas horizontais;</a:t>
+            </a:r>
+          </a:p>
+          <a:p>
+            <a:r>
+              <a:rPr lang="pt-BR" sz="5600" dirty="0" smtClean="0"/>
               <a:t>Só </a:t>
             </a:r>
             <a:r>
-              <a:rPr lang="pt-BR" dirty="0" smtClean="0"/>
-              <a:t>pode #incluir .h das bibliotecas da camada de Hal</a:t>
-            </a:r>
-          </a:p>
-          <a:p>
-            <a:endParaRPr lang="pt-BR" dirty="0" smtClean="0"/>
+              <a:rPr lang="pt-BR" sz="5600" dirty="0" smtClean="0"/>
+              <a:t>pode incluir Header Files(".h") das bibliotecas da camada </a:t>
+            </a:r>
+            <a:r>
+              <a:rPr lang="pt-BR" sz="5600" dirty="0" smtClean="0"/>
+              <a:t>HAL.</a:t>
+            </a:r>
+            <a:endParaRPr lang="pt-BR" sz="5600" dirty="0" smtClean="0"/>
+          </a:p>
+          <a:p>
+            <a:endParaRPr lang="pt-BR" sz="5600" dirty="0" smtClean="0"/>
           </a:p>
           <a:p>
             <a:pPr>
               <a:buNone/>
             </a:pPr>
             <a:r>
-              <a:rPr lang="pt-BR" dirty="0" smtClean="0"/>
-              <a:t>Camada Hal:</a:t>
-            </a:r>
-          </a:p>
-          <a:p>
-            <a:r>
-              <a:rPr lang="pt-BR" dirty="0" smtClean="0"/>
-              <a:t>Só </a:t>
-            </a:r>
-            <a:r>
-              <a:rPr lang="pt-BR" dirty="0" smtClean="0"/>
-              <a:t>existe para permitir portabilidade de plataforma e organizar o acesso a periféricos.</a:t>
-            </a:r>
-          </a:p>
-          <a:p>
-            <a:r>
-              <a:rPr lang="pt-BR" dirty="0" smtClean="0"/>
-              <a:t>Fornece </a:t>
-            </a:r>
-            <a:r>
-              <a:rPr lang="pt-BR" dirty="0" smtClean="0"/>
-              <a:t>funções do abstraídas para configurar e acessar os registradores do </a:t>
-            </a:r>
-            <a:r>
-              <a:rPr lang="pt-BR" dirty="0" err="1" smtClean="0"/>
-              <a:t>microcontrolador</a:t>
-            </a:r>
-            <a:r>
-              <a:rPr lang="pt-BR" dirty="0" smtClean="0"/>
+              <a:rPr lang="pt-BR" sz="5600" dirty="0" smtClean="0"/>
+              <a:t>Camada Hal(</a:t>
+            </a:r>
+            <a:r>
+              <a:rPr lang="pt-BR" sz="5600" dirty="0" err="1" smtClean="0"/>
+              <a:t>Driver</a:t>
+            </a:r>
+            <a:r>
+              <a:rPr lang="pt-BR" sz="5600" dirty="0" smtClean="0"/>
+              <a:t>):</a:t>
+            </a:r>
+          </a:p>
+          <a:p>
+            <a:r>
+              <a:rPr lang="pt-BR" sz="5600" dirty="0" smtClean="0"/>
+              <a:t>Só existe para permitir portabilidade de plataforma e organizar o acesso a periféricos.</a:t>
+            </a:r>
+          </a:p>
+          <a:p>
+            <a:r>
+              <a:rPr lang="pt-BR" sz="5600" dirty="0" smtClean="0"/>
+              <a:t>Fornecerá funções abstraídas para configurar e acessar os registradores do microcontrolador específico.</a:t>
+            </a:r>
+          </a:p>
+          <a:p>
+            <a:r>
+              <a:rPr lang="pt-BR" sz="5600" dirty="0" smtClean="0"/>
+              <a:t>É a única camada cujas bibliotecas podem fazer chamadas horizontais.</a:t>
+            </a:r>
+          </a:p>
+          <a:p>
+            <a:endParaRPr lang="pt-BR" sz="5600" dirty="0" smtClean="0"/>
+          </a:p>
+          <a:p>
+            <a:pPr>
+              <a:buNone/>
+            </a:pPr>
+            <a:r>
+              <a:rPr lang="pt-BR" sz="5600" dirty="0" smtClean="0"/>
+              <a:t>Bibliotecas Independentes(</a:t>
+            </a:r>
+            <a:r>
+              <a:rPr lang="pt-BR" sz="5600" dirty="0" err="1" smtClean="0"/>
+              <a:t>Util</a:t>
+            </a:r>
+            <a:r>
+              <a:rPr lang="pt-BR" sz="5600" dirty="0" smtClean="0"/>
+              <a:t>):</a:t>
+            </a:r>
+          </a:p>
+          <a:p>
+            <a:r>
+              <a:rPr lang="pt-BR" sz="5600" dirty="0" smtClean="0"/>
+              <a:t>Bibliotecas que não dependem de nenhuma outra podem ser independentes, então podem ser chamadas de qualquer camada. ex: vars.h</a:t>
+            </a:r>
+          </a:p>
+          <a:p>
+            <a:endParaRPr lang="pt-BR" sz="5600" dirty="0" smtClean="0"/>
+          </a:p>
+          <a:p>
+            <a:pPr marL="0" indent="0" algn="just">
+              <a:buNone/>
+            </a:pPr>
+            <a:r>
+              <a:rPr lang="pt-BR" sz="5600" dirty="0" smtClean="0"/>
+              <a:t>A </a:t>
+            </a:r>
+            <a:r>
+              <a:rPr lang="pt-BR" sz="5600" dirty="0" smtClean="0"/>
+              <a:t>Camada “</a:t>
+            </a:r>
+            <a:r>
+              <a:rPr lang="pt-BR" sz="5600" dirty="0" err="1" smtClean="0"/>
+              <a:t>Init</a:t>
+            </a:r>
+            <a:r>
+              <a:rPr lang="pt-BR" sz="5600" dirty="0" smtClean="0"/>
+              <a:t> hardware” é diferente para cada projeto, ela é </a:t>
+            </a:r>
+            <a:r>
+              <a:rPr lang="pt-BR" sz="5600" dirty="0" smtClean="0"/>
+              <a:t>responsável por configurar os periféricos e interrupções do microcontrolador</a:t>
+            </a:r>
+            <a:r>
+              <a:rPr lang="pt-BR" sz="5600" dirty="0" smtClean="0"/>
+              <a:t>, também inicializar e configura as bibliotecas </a:t>
+            </a:r>
+            <a:r>
+              <a:rPr lang="pt-BR" sz="5600" dirty="0" smtClean="0"/>
+              <a:t>da camada </a:t>
+            </a:r>
+            <a:r>
+              <a:rPr lang="pt-BR" sz="5600" dirty="0" err="1" smtClean="0"/>
+              <a:t>middleware</a:t>
+            </a:r>
+            <a:r>
+              <a:rPr lang="pt-BR" sz="5600" dirty="0" smtClean="0"/>
               <a:t>.</a:t>
             </a:r>
-          </a:p>
-          <a:p>
-            <a:r>
-              <a:rPr lang="pt-BR" dirty="0" smtClean="0"/>
-              <a:t>É </a:t>
-            </a:r>
-            <a:r>
-              <a:rPr lang="pt-BR" dirty="0" smtClean="0"/>
-              <a:t>a única camada cujas bibliotecas podem fazer chamadas horizontais.</a:t>
-            </a:r>
-          </a:p>
-          <a:p>
-            <a:endParaRPr lang="pt-BR" dirty="0" smtClean="0"/>
+            <a:endParaRPr lang="pt-BR" sz="5600" dirty="0" smtClean="0"/>
           </a:p>
           <a:p>
             <a:pPr>
               <a:buNone/>
             </a:pPr>
-            <a:r>
-              <a:rPr lang="pt-BR" dirty="0" smtClean="0"/>
-              <a:t>Bibliotecas Independentes:</a:t>
-            </a:r>
-          </a:p>
-          <a:p>
-            <a:r>
-              <a:rPr lang="pt-BR" dirty="0" smtClean="0"/>
-              <a:t>Bibliotecas </a:t>
-            </a:r>
-            <a:r>
-              <a:rPr lang="pt-BR" dirty="0" smtClean="0"/>
-              <a:t>que não dependem de nenhuma outra podem ser independentes, então podem ser chamadas </a:t>
-            </a:r>
-            <a:r>
-              <a:rPr lang="pt-BR" dirty="0" smtClean="0"/>
-              <a:t>de </a:t>
-            </a:r>
-            <a:r>
-              <a:rPr lang="pt-BR" dirty="0" smtClean="0"/>
-              <a:t>qualquer camada. ex: </a:t>
-            </a:r>
-            <a:r>
-              <a:rPr lang="pt-BR" dirty="0" smtClean="0"/>
-              <a:t>vars.h</a:t>
-            </a:r>
-          </a:p>
-          <a:p>
-            <a:endParaRPr lang="pt-BR" dirty="0" smtClean="0"/>
+            <a:endParaRPr lang="pt-BR" sz="5600" dirty="0" smtClean="0"/>
           </a:p>
           <a:p>
             <a:pPr>
               <a:buNone/>
             </a:pPr>
             <a:r>
-              <a:rPr lang="pt-BR" dirty="0" smtClean="0"/>
+              <a:rPr lang="pt-BR" sz="5600" dirty="0" smtClean="0"/>
               <a:t>Referencias: </a:t>
             </a:r>
           </a:p>
@@ -5834,24 +5124,18 @@
               <a:buNone/>
             </a:pPr>
             <a:r>
-              <a:rPr lang="pt-BR" smtClean="0"/>
+              <a:rPr lang="pt-BR" sz="5600" dirty="0" smtClean="0"/>
               <a:t>http://www.embarcados.com.br/arquitetura-de-software-em-sistemas-embarcados/</a:t>
             </a:r>
-            <a:endParaRPr lang="pt-BR" smtClean="0"/>
           </a:p>
           <a:p>
             <a:pPr>
               <a:buNone/>
             </a:pPr>
             <a:r>
-              <a:rPr lang="pt-BR" dirty="0" smtClean="0"/>
-              <a:t>https</a:t>
-            </a:r>
-            <a:r>
-              <a:rPr lang="pt-BR" dirty="0" smtClean="0"/>
-              <a:t>://selivre.wordpress.com/2011/10/15/praticas-para-a-qualidade-design-da-firmware/ </a:t>
-            </a:r>
-            <a:endParaRPr lang="pt-BR" dirty="0" smtClean="0"/>
+              <a:rPr lang="pt-BR" sz="5600" dirty="0" smtClean="0"/>
+              <a:t>https://selivre.wordpress.com/2011/10/15/praticas-para-a-qualidade-design-da-firmware/ </a:t>
+            </a:r>
           </a:p>
           <a:p>
             <a:pPr>
